--- a/writersblock.pptx
+++ b/writersblock.pptx
@@ -4715,23 +4715,6 @@
               <a:t>MySQL Database</a:t>
             </a:r>
           </a:p>
-          <a:p>
-            <a:pPr marL="574322" indent="-574322">
-              <a:buClrTx/>
-              <a:buSzPct val="75000"/>
-              <a:buFontTx/>
-              <a:buChar char="•"/>
-              <a:defRPr sz="4400">
-                <a:latin typeface="+mj-lt"/>
-                <a:ea typeface="+mj-ea"/>
-                <a:cs typeface="+mj-cs"/>
-                <a:sym typeface="Noteworthy Light"/>
-              </a:defRPr>
-            </a:pPr>
-            <a:r>
-              <a:t>Sequelize</a:t>
-            </a:r>
-          </a:p>
         </p:txBody>
       </p:sp>
     </p:spTree>
